--- a/임한준_모델설명.pptx
+++ b/임한준_모델설명.pptx
@@ -4573,15 +4573,7 @@
                   <a:srgbClr val="44546A"/>
                 </a:solidFill>
               </a:rPr>
-              <a:t>: Smaller Models and </a:t>
-            </a:r>
-            <a:r>
-              <a:rPr lang="en-US" altLang="ko-KR" sz="1000">
-                <a:solidFill>
-                  <a:srgbClr val="44546A"/>
-                </a:solidFill>
-              </a:rPr>
-              <a:t>Faster </a:t>
+              <a:t>: Smaller Models and Faster </a:t>
             </a:r>
             <a:r>
               <a:rPr lang="en-US" altLang="ko-KR" sz="1000" smtClean="0">
@@ -5540,7 +5532,16 @@
                 </a:solidFill>
                 <a:ea typeface="Tmon몬소리 Black" panose="02000A03000000000000" pitchFamily="2" charset="-127"/>
               </a:rPr>
-              <a:t>최종 모델 구현</a:t>
+              <a:t>모델 </a:t>
+            </a:r>
+            <a:r>
+              <a:rPr lang="ko-KR" altLang="en-US" sz="2400" b="1" kern="0" smtClean="0">
+                <a:solidFill>
+                  <a:schemeClr val="bg1"/>
+                </a:solidFill>
+                <a:ea typeface="Tmon몬소리 Black" panose="02000A03000000000000" pitchFamily="2" charset="-127"/>
+              </a:rPr>
+              <a:t>구현</a:t>
             </a:r>
             <a:r>
               <a:rPr lang="en-US" altLang="ko-KR" sz="2400" b="1" kern="0" smtClean="0">
@@ -8863,15 +8864,7 @@
                   <a:srgbClr val="44546A"/>
                 </a:solidFill>
               </a:rPr>
-              <a:t>에</a:t>
-            </a:r>
-            <a:r>
-              <a:rPr lang="ko-KR" altLang="en-US" sz="1400" smtClean="0">
-                <a:solidFill>
-                  <a:srgbClr val="44546A"/>
-                </a:solidFill>
-              </a:rPr>
-              <a:t> </a:t>
+              <a:t>에 </a:t>
             </a:r>
             <a:r>
               <a:rPr lang="en-US" altLang="ko-KR" sz="1400" smtClean="0">
